--- a/1.hafta/sunum.pptx
+++ b/1.hafta/sunum.pptx
@@ -7,6 +7,11 @@
   <p:sldIdLst>
     <p:sldId id="256" r:id="rId2"/>
     <p:sldId id="257" r:id="rId3"/>
+    <p:sldId id="258" r:id="rId4"/>
+    <p:sldId id="259" r:id="rId5"/>
+    <p:sldId id="260" r:id="rId6"/>
+    <p:sldId id="261" r:id="rId7"/>
+    <p:sldId id="262" r:id="rId8"/>
   </p:sldIdLst>
   <p:sldSz cx="12192000" cy="6858000"/>
   <p:notesSz cx="6858000" cy="9144000"/>
@@ -105,6 +110,11 @@
       </a:defRPr>
     </a:lvl9pPr>
   </p:defaultTextStyle>
+  <p:extLst>
+    <p:ext uri="{EFAFB233-063F-42B5-8137-9DF3F51BA10A}">
+      <p15:sldGuideLst xmlns:p15="http://schemas.microsoft.com/office/powerpoint/2012/main"/>
+    </p:ext>
+  </p:extLst>
 </p:presentation>
 </file>
 
@@ -3650,6 +3660,1288 @@
 </p:sld>
 </file>
 
+<file path=ppt/slides/slide3.xml><?xml version="1.0" encoding="utf-8"?>
+<p:sld xmlns:a="http://schemas.openxmlformats.org/drawingml/2006/main" xmlns:r="http://schemas.openxmlformats.org/officeDocument/2006/relationships" xmlns:p="http://schemas.openxmlformats.org/presentationml/2006/main">
+  <p:cSld>
+    <p:spTree>
+      <p:nvGrpSpPr>
+        <p:cNvPr id="1" name=""/>
+        <p:cNvGrpSpPr/>
+        <p:nvPr/>
+      </p:nvGrpSpPr>
+      <p:grpSpPr>
+        <a:xfrm>
+          <a:off x="0" y="0"/>
+          <a:ext cx="0" cy="0"/>
+          <a:chOff x="0" y="0"/>
+          <a:chExt cx="0" cy="0"/>
+        </a:xfrm>
+      </p:grpSpPr>
+      <p:sp>
+        <p:nvSpPr>
+          <p:cNvPr id="2" name="Title 1">
+            <a:extLst>
+              <a:ext uri="{FF2B5EF4-FFF2-40B4-BE49-F238E27FC236}">
+                <a16:creationId xmlns:a16="http://schemas.microsoft.com/office/drawing/2014/main" id="{CCF404A0-9CC2-4645-A544-99F8945314EA}"/>
+              </a:ext>
+            </a:extLst>
+          </p:cNvPr>
+          <p:cNvSpPr>
+            <a:spLocks noGrp="1"/>
+          </p:cNvSpPr>
+          <p:nvPr>
+            <p:ph type="title"/>
+          </p:nvPr>
+        </p:nvSpPr>
+        <p:spPr/>
+        <p:txBody>
+          <a:bodyPr/>
+          <a:lstStyle/>
+          <a:p>
+            <a:r>
+              <a:rPr lang="en-US" dirty="0"/>
+              <a:t>SQL </a:t>
+            </a:r>
+            <a:r>
+              <a:rPr lang="en-US" dirty="0" err="1"/>
+              <a:t>Komutları</a:t>
+            </a:r>
+            <a:r>
+              <a:rPr lang="en-US" dirty="0"/>
+              <a:t> : SELECT</a:t>
+            </a:r>
+            <a:endParaRPr lang="tr-TR" dirty="0"/>
+          </a:p>
+        </p:txBody>
+      </p:sp>
+      <p:sp>
+        <p:nvSpPr>
+          <p:cNvPr id="3" name="Content Placeholder 2">
+            <a:extLst>
+              <a:ext uri="{FF2B5EF4-FFF2-40B4-BE49-F238E27FC236}">
+                <a16:creationId xmlns:a16="http://schemas.microsoft.com/office/drawing/2014/main" id="{8E5B8DA9-12E5-4A53-9A29-A2D4D229CFE5}"/>
+              </a:ext>
+            </a:extLst>
+          </p:cNvPr>
+          <p:cNvSpPr>
+            <a:spLocks noGrp="1"/>
+          </p:cNvSpPr>
+          <p:nvPr>
+            <p:ph idx="1"/>
+          </p:nvPr>
+        </p:nvSpPr>
+        <p:spPr/>
+        <p:txBody>
+          <a:bodyPr/>
+          <a:lstStyle/>
+          <a:p>
+            <a:r>
+              <a:rPr lang="en-US" dirty="0"/>
+              <a:t>SELECT * FROM </a:t>
+            </a:r>
+            <a:r>
+              <a:rPr lang="en-US" i="1" dirty="0" err="1">
+                <a:solidFill>
+                  <a:schemeClr val="accent1"/>
+                </a:solidFill>
+              </a:rPr>
+              <a:t>tablo_adı</a:t>
+            </a:r>
+            <a:r>
+              <a:rPr lang="en-US" dirty="0"/>
+              <a:t> </a:t>
+            </a:r>
+          </a:p>
+          <a:p>
+            <a:pPr lvl="1"/>
+            <a:r>
+              <a:rPr lang="en-US" dirty="0"/>
+              <a:t>SELECT * FROM customers</a:t>
+            </a:r>
+          </a:p>
+          <a:p>
+            <a:r>
+              <a:rPr lang="en-US" dirty="0"/>
+              <a:t>SELECT </a:t>
+            </a:r>
+            <a:r>
+              <a:rPr lang="en-US" i="1" dirty="0" err="1">
+                <a:solidFill>
+                  <a:schemeClr val="accent1"/>
+                </a:solidFill>
+              </a:rPr>
+              <a:t>sütun_adı</a:t>
+            </a:r>
+            <a:r>
+              <a:rPr lang="en-US" i="1" dirty="0">
+                <a:solidFill>
+                  <a:schemeClr val="accent1"/>
+                </a:solidFill>
+              </a:rPr>
+              <a:t> </a:t>
+            </a:r>
+            <a:r>
+              <a:rPr lang="en-US" dirty="0"/>
+              <a:t>FROM </a:t>
+            </a:r>
+            <a:r>
+              <a:rPr lang="en-US" i="1" dirty="0" err="1">
+                <a:solidFill>
+                  <a:schemeClr val="accent1"/>
+                </a:solidFill>
+              </a:rPr>
+              <a:t>tablo_adı</a:t>
+            </a:r>
+            <a:r>
+              <a:rPr lang="en-US" dirty="0"/>
+              <a:t> </a:t>
+            </a:r>
+          </a:p>
+          <a:p>
+            <a:r>
+              <a:rPr lang="en-US" dirty="0"/>
+              <a:t>SELECT </a:t>
+            </a:r>
+            <a:r>
+              <a:rPr lang="en-US" i="1" dirty="0" err="1">
+                <a:solidFill>
+                  <a:schemeClr val="accent1"/>
+                </a:solidFill>
+              </a:rPr>
+              <a:t>sütun_adı,diğer_sütun_adı</a:t>
+            </a:r>
+            <a:r>
+              <a:rPr lang="en-US" i="1" dirty="0">
+                <a:solidFill>
+                  <a:schemeClr val="accent1"/>
+                </a:solidFill>
+              </a:rPr>
+              <a:t>, </a:t>
+            </a:r>
+            <a:r>
+              <a:rPr lang="en-US" dirty="0"/>
+              <a:t>…. FROM </a:t>
+            </a:r>
+            <a:r>
+              <a:rPr lang="en-US" i="1" dirty="0" err="1">
+                <a:solidFill>
+                  <a:schemeClr val="accent1"/>
+                </a:solidFill>
+              </a:rPr>
+              <a:t>tablo_adı</a:t>
+            </a:r>
+            <a:r>
+              <a:rPr lang="en-US" dirty="0"/>
+              <a:t> </a:t>
+            </a:r>
+          </a:p>
+          <a:p>
+            <a:r>
+              <a:rPr lang="en-US" dirty="0"/>
+              <a:t>SELECT </a:t>
+            </a:r>
+            <a:r>
+              <a:rPr lang="en-US" i="1" dirty="0" err="1">
+                <a:solidFill>
+                  <a:schemeClr val="accent1"/>
+                </a:solidFill>
+              </a:rPr>
+              <a:t>sütun_adı</a:t>
+            </a:r>
+            <a:r>
+              <a:rPr lang="en-US" i="1" dirty="0">
+                <a:solidFill>
+                  <a:schemeClr val="accent1"/>
+                </a:solidFill>
+              </a:rPr>
+              <a:t> </a:t>
+            </a:r>
+            <a:r>
+              <a:rPr lang="en-US" dirty="0"/>
+              <a:t>AS ‘</a:t>
+            </a:r>
+            <a:r>
+              <a:rPr lang="en-US" i="1" dirty="0" err="1">
+                <a:solidFill>
+                  <a:schemeClr val="accent1"/>
+                </a:solidFill>
+              </a:rPr>
+              <a:t>tablo</a:t>
+            </a:r>
+            <a:r>
+              <a:rPr lang="en-US" i="1" dirty="0">
+                <a:solidFill>
+                  <a:schemeClr val="accent1"/>
+                </a:solidFill>
+              </a:rPr>
+              <a:t> </a:t>
+            </a:r>
+            <a:r>
+              <a:rPr lang="en-US" i="1" dirty="0" err="1">
+                <a:solidFill>
+                  <a:schemeClr val="accent1"/>
+                </a:solidFill>
+              </a:rPr>
+              <a:t>sütun</a:t>
+            </a:r>
+            <a:r>
+              <a:rPr lang="en-US" i="1" dirty="0">
+                <a:solidFill>
+                  <a:schemeClr val="accent1"/>
+                </a:solidFill>
+              </a:rPr>
+              <a:t> </a:t>
+            </a:r>
+            <a:r>
+              <a:rPr lang="en-US" i="1" dirty="0" err="1">
+                <a:solidFill>
+                  <a:schemeClr val="accent1"/>
+                </a:solidFill>
+              </a:rPr>
+              <a:t>adı</a:t>
+            </a:r>
+            <a:r>
+              <a:rPr lang="en-US" dirty="0"/>
+              <a:t>’ FROM </a:t>
+            </a:r>
+            <a:r>
+              <a:rPr lang="en-US" i="1" dirty="0" err="1">
+                <a:solidFill>
+                  <a:schemeClr val="accent1"/>
+                </a:solidFill>
+              </a:rPr>
+              <a:t>tablo_adı</a:t>
+            </a:r>
+            <a:r>
+              <a:rPr lang="en-US" dirty="0"/>
+              <a:t> </a:t>
+            </a:r>
+            <a:endParaRPr lang="tr-TR" dirty="0"/>
+          </a:p>
+        </p:txBody>
+      </p:sp>
+    </p:spTree>
+    <p:extLst>
+      <p:ext uri="{BB962C8B-B14F-4D97-AF65-F5344CB8AC3E}">
+        <p14:creationId xmlns:p14="http://schemas.microsoft.com/office/powerpoint/2010/main" val="700933253"/>
+      </p:ext>
+    </p:extLst>
+  </p:cSld>
+  <p:clrMapOvr>
+    <a:masterClrMapping/>
+  </p:clrMapOvr>
+</p:sld>
+</file>
+
+<file path=ppt/slides/slide4.xml><?xml version="1.0" encoding="utf-8"?>
+<p:sld xmlns:a="http://schemas.openxmlformats.org/drawingml/2006/main" xmlns:r="http://schemas.openxmlformats.org/officeDocument/2006/relationships" xmlns:p="http://schemas.openxmlformats.org/presentationml/2006/main">
+  <p:cSld>
+    <p:spTree>
+      <p:nvGrpSpPr>
+        <p:cNvPr id="1" name=""/>
+        <p:cNvGrpSpPr/>
+        <p:nvPr/>
+      </p:nvGrpSpPr>
+      <p:grpSpPr>
+        <a:xfrm>
+          <a:off x="0" y="0"/>
+          <a:ext cx="0" cy="0"/>
+          <a:chOff x="0" y="0"/>
+          <a:chExt cx="0" cy="0"/>
+        </a:xfrm>
+      </p:grpSpPr>
+      <p:sp>
+        <p:nvSpPr>
+          <p:cNvPr id="2" name="Title 1">
+            <a:extLst>
+              <a:ext uri="{FF2B5EF4-FFF2-40B4-BE49-F238E27FC236}">
+                <a16:creationId xmlns:a16="http://schemas.microsoft.com/office/drawing/2014/main" id="{20A56A5A-C5B5-43CA-8B0C-66B28CE156F1}"/>
+              </a:ext>
+            </a:extLst>
+          </p:cNvPr>
+          <p:cNvSpPr>
+            <a:spLocks noGrp="1"/>
+          </p:cNvSpPr>
+          <p:nvPr>
+            <p:ph type="title"/>
+          </p:nvPr>
+        </p:nvSpPr>
+        <p:spPr/>
+        <p:txBody>
+          <a:bodyPr/>
+          <a:lstStyle/>
+          <a:p>
+            <a:r>
+              <a:rPr lang="en-US" dirty="0"/>
+              <a:t>SELECT DISTINCT </a:t>
+            </a:r>
+            <a:endParaRPr lang="tr-TR" dirty="0"/>
+          </a:p>
+        </p:txBody>
+      </p:sp>
+      <p:sp>
+        <p:nvSpPr>
+          <p:cNvPr id="3" name="Content Placeholder 2">
+            <a:extLst>
+              <a:ext uri="{FF2B5EF4-FFF2-40B4-BE49-F238E27FC236}">
+                <a16:creationId xmlns:a16="http://schemas.microsoft.com/office/drawing/2014/main" id="{5C8DBFD6-5E4D-4B79-A1F6-4835354CE228}"/>
+              </a:ext>
+            </a:extLst>
+          </p:cNvPr>
+          <p:cNvSpPr>
+            <a:spLocks noGrp="1"/>
+          </p:cNvSpPr>
+          <p:nvPr>
+            <p:ph idx="1"/>
+          </p:nvPr>
+        </p:nvSpPr>
+        <p:spPr>
+          <a:xfrm>
+            <a:off x="838200" y="1825625"/>
+            <a:ext cx="10515600" cy="1325563"/>
+          </a:xfrm>
+        </p:spPr>
+        <p:txBody>
+          <a:bodyPr/>
+          <a:lstStyle/>
+          <a:p>
+            <a:r>
+              <a:rPr lang="en-US" dirty="0"/>
+              <a:t>SELECT DISTINCT </a:t>
+            </a:r>
+            <a:r>
+              <a:rPr lang="en-US" i="1" dirty="0" err="1">
+                <a:solidFill>
+                  <a:schemeClr val="accent1"/>
+                </a:solidFill>
+              </a:rPr>
+              <a:t>sutun_adi</a:t>
+            </a:r>
+            <a:r>
+              <a:rPr lang="en-US" dirty="0"/>
+              <a:t> FROM </a:t>
+            </a:r>
+            <a:r>
+              <a:rPr lang="en-US" i="1" dirty="0" err="1">
+                <a:solidFill>
+                  <a:schemeClr val="accent1"/>
+                </a:solidFill>
+              </a:rPr>
+              <a:t>tablo_adi</a:t>
+            </a:r>
+            <a:endParaRPr lang="en-US" i="1" dirty="0">
+              <a:solidFill>
+                <a:schemeClr val="accent1"/>
+              </a:solidFill>
+            </a:endParaRPr>
+          </a:p>
+          <a:p>
+            <a:r>
+              <a:rPr lang="en-US" dirty="0"/>
+              <a:t>DISTINCT </a:t>
+            </a:r>
+            <a:r>
+              <a:rPr lang="en-US" dirty="0" err="1"/>
+              <a:t>komutu</a:t>
+            </a:r>
+            <a:r>
+              <a:rPr lang="en-US" dirty="0"/>
+              <a:t> </a:t>
+            </a:r>
+            <a:r>
+              <a:rPr lang="en-US" dirty="0" err="1"/>
+              <a:t>ile</a:t>
+            </a:r>
+            <a:r>
+              <a:rPr lang="en-US" dirty="0"/>
+              <a:t> </a:t>
+            </a:r>
+            <a:r>
+              <a:rPr lang="en-US" dirty="0" err="1"/>
+              <a:t>aynı</a:t>
+            </a:r>
+            <a:r>
+              <a:rPr lang="en-US" dirty="0"/>
+              <a:t> </a:t>
+            </a:r>
+            <a:r>
+              <a:rPr lang="en-US" dirty="0" err="1"/>
+              <a:t>kayıtlar</a:t>
+            </a:r>
+            <a:r>
+              <a:rPr lang="en-US" dirty="0"/>
+              <a:t> </a:t>
+            </a:r>
+            <a:r>
+              <a:rPr lang="en-US" dirty="0" err="1"/>
+              <a:t>bir</a:t>
+            </a:r>
+            <a:r>
+              <a:rPr lang="en-US" dirty="0"/>
+              <a:t> </a:t>
+            </a:r>
+            <a:r>
+              <a:rPr lang="en-US" dirty="0" err="1"/>
+              <a:t>defa</a:t>
+            </a:r>
+            <a:r>
+              <a:rPr lang="en-US" dirty="0"/>
+              <a:t> </a:t>
+            </a:r>
+            <a:r>
+              <a:rPr lang="en-US" dirty="0" err="1"/>
+              <a:t>listelenir</a:t>
+            </a:r>
+            <a:r>
+              <a:rPr lang="en-US" dirty="0"/>
+              <a:t>.</a:t>
+            </a:r>
+            <a:endParaRPr lang="tr-TR" dirty="0"/>
+          </a:p>
+        </p:txBody>
+      </p:sp>
+    </p:spTree>
+    <p:extLst>
+      <p:ext uri="{BB962C8B-B14F-4D97-AF65-F5344CB8AC3E}">
+        <p14:creationId xmlns:p14="http://schemas.microsoft.com/office/powerpoint/2010/main" val="3545566480"/>
+      </p:ext>
+    </p:extLst>
+  </p:cSld>
+  <p:clrMapOvr>
+    <a:masterClrMapping/>
+  </p:clrMapOvr>
+</p:sld>
+</file>
+
+<file path=ppt/slides/slide5.xml><?xml version="1.0" encoding="utf-8"?>
+<p:sld xmlns:a="http://schemas.openxmlformats.org/drawingml/2006/main" xmlns:r="http://schemas.openxmlformats.org/officeDocument/2006/relationships" xmlns:p="http://schemas.openxmlformats.org/presentationml/2006/main">
+  <p:cSld>
+    <p:spTree>
+      <p:nvGrpSpPr>
+        <p:cNvPr id="1" name=""/>
+        <p:cNvGrpSpPr/>
+        <p:nvPr/>
+      </p:nvGrpSpPr>
+      <p:grpSpPr>
+        <a:xfrm>
+          <a:off x="0" y="0"/>
+          <a:ext cx="0" cy="0"/>
+          <a:chOff x="0" y="0"/>
+          <a:chExt cx="0" cy="0"/>
+        </a:xfrm>
+      </p:grpSpPr>
+      <p:sp>
+        <p:nvSpPr>
+          <p:cNvPr id="2" name="Title 1">
+            <a:extLst>
+              <a:ext uri="{FF2B5EF4-FFF2-40B4-BE49-F238E27FC236}">
+                <a16:creationId xmlns:a16="http://schemas.microsoft.com/office/drawing/2014/main" id="{F52549E5-29D5-453E-A8C2-864894921425}"/>
+              </a:ext>
+            </a:extLst>
+          </p:cNvPr>
+          <p:cNvSpPr>
+            <a:spLocks noGrp="1"/>
+          </p:cNvSpPr>
+          <p:nvPr>
+            <p:ph type="title"/>
+          </p:nvPr>
+        </p:nvSpPr>
+        <p:spPr/>
+        <p:txBody>
+          <a:bodyPr/>
+          <a:lstStyle/>
+          <a:p>
+            <a:r>
+              <a:rPr lang="en-US" dirty="0"/>
+              <a:t>SELECT COUNT(*)</a:t>
+            </a:r>
+            <a:endParaRPr lang="tr-TR" dirty="0"/>
+          </a:p>
+        </p:txBody>
+      </p:sp>
+      <p:sp>
+        <p:nvSpPr>
+          <p:cNvPr id="3" name="Content Placeholder 2">
+            <a:extLst>
+              <a:ext uri="{FF2B5EF4-FFF2-40B4-BE49-F238E27FC236}">
+                <a16:creationId xmlns:a16="http://schemas.microsoft.com/office/drawing/2014/main" id="{C9560225-42CE-4EE3-8666-25B0D0D6110B}"/>
+              </a:ext>
+            </a:extLst>
+          </p:cNvPr>
+          <p:cNvSpPr>
+            <a:spLocks noGrp="1"/>
+          </p:cNvSpPr>
+          <p:nvPr>
+            <p:ph idx="1"/>
+          </p:nvPr>
+        </p:nvSpPr>
+        <p:spPr/>
+        <p:txBody>
+          <a:bodyPr/>
+          <a:lstStyle/>
+          <a:p>
+            <a:r>
+              <a:rPr lang="en-US" dirty="0"/>
+              <a:t>SELECT COUNT(*) FROM </a:t>
+            </a:r>
+            <a:r>
+              <a:rPr lang="en-US" i="1" dirty="0" err="1">
+                <a:solidFill>
+                  <a:schemeClr val="accent1"/>
+                </a:solidFill>
+              </a:rPr>
+              <a:t>tablo_adi</a:t>
+            </a:r>
+            <a:endParaRPr lang="en-US" i="1" dirty="0">
+              <a:solidFill>
+                <a:schemeClr val="accent1"/>
+              </a:solidFill>
+            </a:endParaRPr>
+          </a:p>
+          <a:p>
+            <a:r>
+              <a:rPr lang="en-US" dirty="0"/>
+              <a:t>COUNT(*) </a:t>
+            </a:r>
+            <a:r>
+              <a:rPr lang="en-US" dirty="0" err="1"/>
+              <a:t>komutu</a:t>
+            </a:r>
+            <a:r>
+              <a:rPr lang="en-US" dirty="0"/>
+              <a:t> </a:t>
+            </a:r>
+            <a:r>
+              <a:rPr lang="en-US" dirty="0" err="1"/>
+              <a:t>ile</a:t>
+            </a:r>
+            <a:r>
+              <a:rPr lang="en-US" dirty="0"/>
+              <a:t> </a:t>
+            </a:r>
+            <a:r>
+              <a:rPr lang="en-US" dirty="0" err="1"/>
+              <a:t>kayıt</a:t>
+            </a:r>
+            <a:r>
+              <a:rPr lang="en-US" dirty="0"/>
+              <a:t> </a:t>
+            </a:r>
+            <a:r>
+              <a:rPr lang="en-US" dirty="0" err="1"/>
+              <a:t>sayısı</a:t>
+            </a:r>
+            <a:r>
+              <a:rPr lang="en-US" dirty="0"/>
+              <a:t> </a:t>
+            </a:r>
+            <a:r>
+              <a:rPr lang="en-US" dirty="0" err="1"/>
+              <a:t>listelenir</a:t>
+            </a:r>
+            <a:r>
+              <a:rPr lang="en-US" dirty="0"/>
+              <a:t>.</a:t>
+            </a:r>
+            <a:endParaRPr lang="tr-TR" dirty="0"/>
+          </a:p>
+          <a:p>
+            <a:endParaRPr lang="tr-TR" dirty="0"/>
+          </a:p>
+        </p:txBody>
+      </p:sp>
+    </p:spTree>
+    <p:extLst>
+      <p:ext uri="{BB962C8B-B14F-4D97-AF65-F5344CB8AC3E}">
+        <p14:creationId xmlns:p14="http://schemas.microsoft.com/office/powerpoint/2010/main" val="447967506"/>
+      </p:ext>
+    </p:extLst>
+  </p:cSld>
+  <p:clrMapOvr>
+    <a:masterClrMapping/>
+  </p:clrMapOvr>
+</p:sld>
+</file>
+
+<file path=ppt/slides/slide6.xml><?xml version="1.0" encoding="utf-8"?>
+<p:sld xmlns:a="http://schemas.openxmlformats.org/drawingml/2006/main" xmlns:r="http://schemas.openxmlformats.org/officeDocument/2006/relationships" xmlns:p="http://schemas.openxmlformats.org/presentationml/2006/main">
+  <p:cSld>
+    <p:spTree>
+      <p:nvGrpSpPr>
+        <p:cNvPr id="1" name=""/>
+        <p:cNvGrpSpPr/>
+        <p:nvPr/>
+      </p:nvGrpSpPr>
+      <p:grpSpPr>
+        <a:xfrm>
+          <a:off x="0" y="0"/>
+          <a:ext cx="0" cy="0"/>
+          <a:chOff x="0" y="0"/>
+          <a:chExt cx="0" cy="0"/>
+        </a:xfrm>
+      </p:grpSpPr>
+      <p:sp>
+        <p:nvSpPr>
+          <p:cNvPr id="2" name="Title 1">
+            <a:extLst>
+              <a:ext uri="{FF2B5EF4-FFF2-40B4-BE49-F238E27FC236}">
+                <a16:creationId xmlns:a16="http://schemas.microsoft.com/office/drawing/2014/main" id="{F52549E5-29D5-453E-A8C2-864894921425}"/>
+              </a:ext>
+            </a:extLst>
+          </p:cNvPr>
+          <p:cNvSpPr>
+            <a:spLocks noGrp="1"/>
+          </p:cNvSpPr>
+          <p:nvPr>
+            <p:ph type="title"/>
+          </p:nvPr>
+        </p:nvSpPr>
+        <p:spPr/>
+        <p:txBody>
+          <a:bodyPr/>
+          <a:lstStyle/>
+          <a:p>
+            <a:r>
+              <a:rPr lang="en-US" dirty="0"/>
+              <a:t>SELECT … WHERE</a:t>
+            </a:r>
+            <a:endParaRPr lang="tr-TR" dirty="0"/>
+          </a:p>
+        </p:txBody>
+      </p:sp>
+      <p:sp>
+        <p:nvSpPr>
+          <p:cNvPr id="3" name="Content Placeholder 2">
+            <a:extLst>
+              <a:ext uri="{FF2B5EF4-FFF2-40B4-BE49-F238E27FC236}">
+                <a16:creationId xmlns:a16="http://schemas.microsoft.com/office/drawing/2014/main" id="{C9560225-42CE-4EE3-8666-25B0D0D6110B}"/>
+              </a:ext>
+            </a:extLst>
+          </p:cNvPr>
+          <p:cNvSpPr>
+            <a:spLocks noGrp="1"/>
+          </p:cNvSpPr>
+          <p:nvPr>
+            <p:ph idx="1"/>
+          </p:nvPr>
+        </p:nvSpPr>
+        <p:spPr>
+          <a:xfrm>
+            <a:off x="838200" y="1825625"/>
+            <a:ext cx="10515600" cy="1093744"/>
+          </a:xfrm>
+        </p:spPr>
+        <p:txBody>
+          <a:bodyPr/>
+          <a:lstStyle/>
+          <a:p>
+            <a:r>
+              <a:rPr lang="en-US" dirty="0"/>
+              <a:t>SELECT </a:t>
+            </a:r>
+            <a:r>
+              <a:rPr lang="en-US" i="1" dirty="0" err="1">
+                <a:solidFill>
+                  <a:schemeClr val="accent1"/>
+                </a:solidFill>
+              </a:rPr>
+              <a:t>sütun_adları</a:t>
+            </a:r>
+            <a:r>
+              <a:rPr lang="en-US" i="1" dirty="0">
+                <a:solidFill>
+                  <a:schemeClr val="accent1"/>
+                </a:solidFill>
+              </a:rPr>
+              <a:t> </a:t>
+            </a:r>
+            <a:r>
+              <a:rPr lang="en-US" dirty="0"/>
+              <a:t>FROM </a:t>
+            </a:r>
+            <a:r>
+              <a:rPr lang="en-US" i="1" dirty="0" err="1">
+                <a:solidFill>
+                  <a:schemeClr val="accent1"/>
+                </a:solidFill>
+              </a:rPr>
+              <a:t>tablo_adi</a:t>
+            </a:r>
+            <a:r>
+              <a:rPr lang="en-US" i="1" dirty="0">
+                <a:solidFill>
+                  <a:schemeClr val="accent1"/>
+                </a:solidFill>
+              </a:rPr>
+              <a:t> </a:t>
+            </a:r>
+            <a:r>
+              <a:rPr lang="en-US" dirty="0"/>
+              <a:t>WHERE </a:t>
+            </a:r>
+            <a:r>
+              <a:rPr lang="en-US" i="1" dirty="0" err="1">
+                <a:solidFill>
+                  <a:schemeClr val="accent1"/>
+                </a:solidFill>
+              </a:rPr>
+              <a:t>sütun_adı</a:t>
+            </a:r>
+            <a:r>
+              <a:rPr lang="en-US" i="1" dirty="0">
+                <a:solidFill>
+                  <a:schemeClr val="accent1"/>
+                </a:solidFill>
+              </a:rPr>
+              <a:t> = ‘???’</a:t>
+            </a:r>
+          </a:p>
+          <a:p>
+            <a:r>
+              <a:rPr lang="en-US" dirty="0"/>
+              <a:t>WHERE .. </a:t>
+            </a:r>
+            <a:r>
+              <a:rPr lang="en-US" dirty="0" err="1"/>
+              <a:t>filtreleme</a:t>
+            </a:r>
+            <a:r>
+              <a:rPr lang="en-US" dirty="0"/>
+              <a:t> </a:t>
+            </a:r>
+            <a:r>
+              <a:rPr lang="en-US" dirty="0" err="1"/>
+              <a:t>amaçlı</a:t>
+            </a:r>
+            <a:r>
+              <a:rPr lang="en-US" dirty="0"/>
+              <a:t> </a:t>
+            </a:r>
+            <a:r>
+              <a:rPr lang="en-US" dirty="0" err="1"/>
+              <a:t>kullanılır</a:t>
+            </a:r>
+            <a:r>
+              <a:rPr lang="en-US" dirty="0"/>
+              <a:t>.</a:t>
+            </a:r>
+            <a:endParaRPr lang="tr-TR" dirty="0"/>
+          </a:p>
+          <a:p>
+            <a:endParaRPr lang="tr-TR" dirty="0"/>
+          </a:p>
+        </p:txBody>
+      </p:sp>
+      <p:pic>
+        <p:nvPicPr>
+          <p:cNvPr id="5" name="Picture 4">
+            <a:extLst>
+              <a:ext uri="{FF2B5EF4-FFF2-40B4-BE49-F238E27FC236}">
+                <a16:creationId xmlns:a16="http://schemas.microsoft.com/office/drawing/2014/main" id="{44F25152-0B1F-4891-BEF6-52F585B40EF5}"/>
+              </a:ext>
+            </a:extLst>
+          </p:cNvPr>
+          <p:cNvPicPr>
+            <a:picLocks noChangeAspect="1"/>
+          </p:cNvPicPr>
+          <p:nvPr/>
+        </p:nvPicPr>
+        <p:blipFill>
+          <a:blip r:embed="rId2"/>
+          <a:stretch>
+            <a:fillRect/>
+          </a:stretch>
+        </p:blipFill>
+        <p:spPr>
+          <a:xfrm>
+            <a:off x="5132778" y="2820619"/>
+            <a:ext cx="5880824" cy="3815501"/>
+          </a:xfrm>
+          <a:prstGeom prst="rect">
+            <a:avLst/>
+          </a:prstGeom>
+        </p:spPr>
+      </p:pic>
+      <p:sp>
+        <p:nvSpPr>
+          <p:cNvPr id="6" name="TextBox 5">
+            <a:extLst>
+              <a:ext uri="{FF2B5EF4-FFF2-40B4-BE49-F238E27FC236}">
+                <a16:creationId xmlns:a16="http://schemas.microsoft.com/office/drawing/2014/main" id="{15FC497C-4CFE-4FF9-B0A6-1A9A02F507F6}"/>
+              </a:ext>
+            </a:extLst>
+          </p:cNvPr>
+          <p:cNvSpPr txBox="1"/>
+          <p:nvPr/>
+        </p:nvSpPr>
+        <p:spPr>
+          <a:xfrm>
+            <a:off x="545284" y="3429000"/>
+            <a:ext cx="4043494" cy="1200329"/>
+          </a:xfrm>
+          <a:prstGeom prst="rect">
+            <a:avLst/>
+          </a:prstGeom>
+          <a:noFill/>
+        </p:spPr>
+        <p:txBody>
+          <a:bodyPr wrap="square" rtlCol="0">
+            <a:spAutoFit/>
+          </a:bodyPr>
+          <a:lstStyle/>
+          <a:p>
+            <a:r>
+              <a:rPr lang="en-US" dirty="0"/>
+              <a:t>LIKE ‘44’ =&gt; ‘44’ </a:t>
+            </a:r>
+            <a:r>
+              <a:rPr lang="en-US" dirty="0" err="1"/>
+              <a:t>değeri</a:t>
+            </a:r>
+            <a:r>
+              <a:rPr lang="en-US" dirty="0"/>
+              <a:t> </a:t>
+            </a:r>
+            <a:r>
+              <a:rPr lang="en-US" dirty="0" err="1"/>
+              <a:t>olanları</a:t>
+            </a:r>
+            <a:r>
+              <a:rPr lang="en-US" dirty="0"/>
+              <a:t> </a:t>
+            </a:r>
+            <a:r>
+              <a:rPr lang="en-US" dirty="0" err="1"/>
+              <a:t>listeler</a:t>
+            </a:r>
+            <a:endParaRPr lang="en-US" dirty="0"/>
+          </a:p>
+          <a:p>
+            <a:r>
+              <a:rPr lang="en-US" dirty="0"/>
+              <a:t>LIKE ‘44%’ =&gt; ‘44’ </a:t>
+            </a:r>
+            <a:r>
+              <a:rPr lang="en-US" dirty="0" err="1"/>
+              <a:t>ile</a:t>
+            </a:r>
+            <a:r>
+              <a:rPr lang="en-US" dirty="0"/>
+              <a:t> </a:t>
+            </a:r>
+            <a:r>
+              <a:rPr lang="en-US" dirty="0" err="1"/>
+              <a:t>başlayanlar</a:t>
+            </a:r>
+            <a:r>
+              <a:rPr lang="en-US" dirty="0"/>
+              <a:t> </a:t>
+            </a:r>
+            <a:r>
+              <a:rPr lang="en-US" dirty="0" err="1"/>
+              <a:t>listelenir</a:t>
+            </a:r>
+            <a:endParaRPr lang="en-US" dirty="0"/>
+          </a:p>
+          <a:p>
+            <a:r>
+              <a:rPr lang="en-US" dirty="0"/>
+              <a:t>LIKE ‘%44%’ =&gt; ‘44’ </a:t>
+            </a:r>
+            <a:r>
+              <a:rPr lang="en-US" dirty="0" err="1"/>
+              <a:t>içerenler</a:t>
+            </a:r>
+            <a:r>
+              <a:rPr lang="en-US" dirty="0"/>
+              <a:t> </a:t>
+            </a:r>
+            <a:r>
+              <a:rPr lang="en-US" dirty="0" err="1"/>
+              <a:t>listelenir</a:t>
+            </a:r>
+            <a:endParaRPr lang="en-US" dirty="0"/>
+          </a:p>
+          <a:p>
+            <a:r>
+              <a:rPr lang="en-US" dirty="0"/>
+              <a:t>&lt;&gt; ‘44’ =&gt; ‘44’ ten </a:t>
+            </a:r>
+            <a:r>
+              <a:rPr lang="en-US" dirty="0" err="1"/>
+              <a:t>farklı</a:t>
+            </a:r>
+            <a:r>
+              <a:rPr lang="en-US" dirty="0"/>
+              <a:t> </a:t>
+            </a:r>
+            <a:r>
+              <a:rPr lang="en-US" dirty="0" err="1"/>
+              <a:t>olanlar</a:t>
+            </a:r>
+            <a:r>
+              <a:rPr lang="en-US" dirty="0"/>
+              <a:t> </a:t>
+            </a:r>
+            <a:r>
+              <a:rPr lang="en-US" dirty="0" err="1"/>
+              <a:t>listelenir</a:t>
+            </a:r>
+            <a:r>
+              <a:rPr lang="en-US" dirty="0"/>
+              <a:t>.</a:t>
+            </a:r>
+            <a:endParaRPr lang="tr-TR" dirty="0"/>
+          </a:p>
+        </p:txBody>
+      </p:sp>
+      <p:sp>
+        <p:nvSpPr>
+          <p:cNvPr id="7" name="TextBox 6">
+            <a:extLst>
+              <a:ext uri="{FF2B5EF4-FFF2-40B4-BE49-F238E27FC236}">
+                <a16:creationId xmlns:a16="http://schemas.microsoft.com/office/drawing/2014/main" id="{58923611-A438-4732-A1B8-3CC817BF2629}"/>
+              </a:ext>
+            </a:extLst>
+          </p:cNvPr>
+          <p:cNvSpPr txBox="1"/>
+          <p:nvPr/>
+        </p:nvSpPr>
+        <p:spPr>
+          <a:xfrm>
+            <a:off x="545284" y="4934129"/>
+            <a:ext cx="4587494" cy="369332"/>
+          </a:xfrm>
+          <a:prstGeom prst="rect">
+            <a:avLst/>
+          </a:prstGeom>
+          <a:noFill/>
+        </p:spPr>
+        <p:txBody>
+          <a:bodyPr wrap="square" rtlCol="0">
+            <a:spAutoFit/>
+          </a:bodyPr>
+          <a:lstStyle/>
+          <a:p>
+            <a:r>
+              <a:rPr lang="en-US" dirty="0"/>
+              <a:t>IN (‘</a:t>
+            </a:r>
+            <a:r>
+              <a:rPr lang="en-US" dirty="0" err="1"/>
+              <a:t>a’,’b</a:t>
+            </a:r>
+            <a:r>
+              <a:rPr lang="en-US" dirty="0"/>
+              <a:t>’) =&gt; </a:t>
+            </a:r>
+            <a:r>
+              <a:rPr lang="en-US" dirty="0" err="1"/>
+              <a:t>değeri</a:t>
+            </a:r>
+            <a:r>
+              <a:rPr lang="en-US" dirty="0"/>
+              <a:t> ‘a’ </a:t>
+            </a:r>
+            <a:r>
+              <a:rPr lang="en-US" dirty="0" err="1"/>
+              <a:t>ve</a:t>
+            </a:r>
+            <a:r>
+              <a:rPr lang="en-US" dirty="0"/>
+              <a:t> ‘b’ </a:t>
+            </a:r>
+            <a:r>
+              <a:rPr lang="en-US" dirty="0" err="1"/>
+              <a:t>olanlar</a:t>
+            </a:r>
+            <a:r>
+              <a:rPr lang="en-US" dirty="0"/>
+              <a:t> </a:t>
+            </a:r>
+            <a:r>
+              <a:rPr lang="en-US" dirty="0" err="1"/>
+              <a:t>listelenir</a:t>
+            </a:r>
+            <a:endParaRPr lang="tr-TR" dirty="0"/>
+          </a:p>
+        </p:txBody>
+      </p:sp>
+    </p:spTree>
+    <p:extLst>
+      <p:ext uri="{BB962C8B-B14F-4D97-AF65-F5344CB8AC3E}">
+        <p14:creationId xmlns:p14="http://schemas.microsoft.com/office/powerpoint/2010/main" val="805083167"/>
+      </p:ext>
+    </p:extLst>
+  </p:cSld>
+  <p:clrMapOvr>
+    <a:masterClrMapping/>
+  </p:clrMapOvr>
+</p:sld>
+</file>
+
+<file path=ppt/slides/slide7.xml><?xml version="1.0" encoding="utf-8"?>
+<p:sld xmlns:a="http://schemas.openxmlformats.org/drawingml/2006/main" xmlns:r="http://schemas.openxmlformats.org/officeDocument/2006/relationships" xmlns:p="http://schemas.openxmlformats.org/presentationml/2006/main">
+  <p:cSld>
+    <p:spTree>
+      <p:nvGrpSpPr>
+        <p:cNvPr id="1" name=""/>
+        <p:cNvGrpSpPr/>
+        <p:nvPr/>
+      </p:nvGrpSpPr>
+      <p:grpSpPr>
+        <a:xfrm>
+          <a:off x="0" y="0"/>
+          <a:ext cx="0" cy="0"/>
+          <a:chOff x="0" y="0"/>
+          <a:chExt cx="0" cy="0"/>
+        </a:xfrm>
+      </p:grpSpPr>
+      <p:sp>
+        <p:nvSpPr>
+          <p:cNvPr id="2" name="Title 1">
+            <a:extLst>
+              <a:ext uri="{FF2B5EF4-FFF2-40B4-BE49-F238E27FC236}">
+                <a16:creationId xmlns:a16="http://schemas.microsoft.com/office/drawing/2014/main" id="{F52549E5-29D5-453E-A8C2-864894921425}"/>
+              </a:ext>
+            </a:extLst>
+          </p:cNvPr>
+          <p:cNvSpPr>
+            <a:spLocks noGrp="1"/>
+          </p:cNvSpPr>
+          <p:nvPr>
+            <p:ph type="title"/>
+          </p:nvPr>
+        </p:nvSpPr>
+        <p:spPr/>
+        <p:txBody>
+          <a:bodyPr/>
+          <a:lstStyle/>
+          <a:p>
+            <a:r>
+              <a:rPr lang="en-US" dirty="0"/>
+              <a:t>SELECT … WHERE … AND/OR/NOT</a:t>
+            </a:r>
+            <a:endParaRPr lang="tr-TR" dirty="0"/>
+          </a:p>
+        </p:txBody>
+      </p:sp>
+      <p:sp>
+        <p:nvSpPr>
+          <p:cNvPr id="3" name="Content Placeholder 2">
+            <a:extLst>
+              <a:ext uri="{FF2B5EF4-FFF2-40B4-BE49-F238E27FC236}">
+                <a16:creationId xmlns:a16="http://schemas.microsoft.com/office/drawing/2014/main" id="{C9560225-42CE-4EE3-8666-25B0D0D6110B}"/>
+              </a:ext>
+            </a:extLst>
+          </p:cNvPr>
+          <p:cNvSpPr>
+            <a:spLocks noGrp="1"/>
+          </p:cNvSpPr>
+          <p:nvPr>
+            <p:ph idx="1"/>
+          </p:nvPr>
+        </p:nvSpPr>
+        <p:spPr>
+          <a:xfrm>
+            <a:off x="838200" y="1825625"/>
+            <a:ext cx="10515600" cy="1093744"/>
+          </a:xfrm>
+        </p:spPr>
+        <p:txBody>
+          <a:bodyPr>
+            <a:normAutofit fontScale="92500" lnSpcReduction="20000"/>
+          </a:bodyPr>
+          <a:lstStyle/>
+          <a:p>
+            <a:r>
+              <a:rPr lang="en-US" dirty="0"/>
+              <a:t>SELECT </a:t>
+            </a:r>
+            <a:r>
+              <a:rPr lang="en-US" i="1" dirty="0" err="1">
+                <a:solidFill>
+                  <a:schemeClr val="accent1"/>
+                </a:solidFill>
+              </a:rPr>
+              <a:t>sütun_adları</a:t>
+            </a:r>
+            <a:r>
+              <a:rPr lang="en-US" i="1" dirty="0">
+                <a:solidFill>
+                  <a:schemeClr val="accent1"/>
+                </a:solidFill>
+              </a:rPr>
+              <a:t> </a:t>
+            </a:r>
+            <a:r>
+              <a:rPr lang="en-US" dirty="0"/>
+              <a:t>FROM </a:t>
+            </a:r>
+            <a:r>
+              <a:rPr lang="en-US" i="1" dirty="0" err="1">
+                <a:solidFill>
+                  <a:schemeClr val="accent1"/>
+                </a:solidFill>
+              </a:rPr>
+              <a:t>tablo_adi</a:t>
+            </a:r>
+            <a:r>
+              <a:rPr lang="en-US" i="1" dirty="0">
+                <a:solidFill>
+                  <a:schemeClr val="accent1"/>
+                </a:solidFill>
+              </a:rPr>
+              <a:t> </a:t>
+            </a:r>
+            <a:r>
+              <a:rPr lang="en-US" dirty="0"/>
+              <a:t>WHERE </a:t>
+            </a:r>
+            <a:r>
+              <a:rPr lang="en-US" i="1" dirty="0" err="1">
+                <a:solidFill>
+                  <a:schemeClr val="accent1"/>
+                </a:solidFill>
+              </a:rPr>
+              <a:t>sütun_adı</a:t>
+            </a:r>
+            <a:r>
+              <a:rPr lang="en-US" i="1" dirty="0">
+                <a:solidFill>
+                  <a:schemeClr val="accent1"/>
+                </a:solidFill>
+              </a:rPr>
+              <a:t> = ‘???’ </a:t>
+            </a:r>
+            <a:r>
+              <a:rPr lang="en-US" dirty="0"/>
+              <a:t>AND</a:t>
+            </a:r>
+            <a:r>
+              <a:rPr lang="en-US" i="1" dirty="0">
+                <a:solidFill>
+                  <a:schemeClr val="accent1"/>
+                </a:solidFill>
+              </a:rPr>
+              <a:t> </a:t>
+            </a:r>
+            <a:r>
+              <a:rPr lang="en-US" i="1" dirty="0" err="1">
+                <a:solidFill>
+                  <a:schemeClr val="accent1"/>
+                </a:solidFill>
+              </a:rPr>
+              <a:t>başka_sütun_adı</a:t>
+            </a:r>
+            <a:r>
+              <a:rPr lang="en-US" i="1" dirty="0">
+                <a:solidFill>
+                  <a:schemeClr val="accent1"/>
+                </a:solidFill>
+              </a:rPr>
+              <a:t> = ‘???’ </a:t>
+            </a:r>
+          </a:p>
+          <a:p>
+            <a:r>
+              <a:rPr lang="en-US" dirty="0" err="1"/>
+              <a:t>Daha</a:t>
+            </a:r>
+            <a:r>
+              <a:rPr lang="en-US" dirty="0"/>
+              <a:t> </a:t>
+            </a:r>
+            <a:r>
+              <a:rPr lang="en-US" dirty="0" err="1"/>
+              <a:t>karmaşık</a:t>
+            </a:r>
+            <a:r>
+              <a:rPr lang="en-US" dirty="0"/>
+              <a:t> </a:t>
+            </a:r>
+            <a:r>
+              <a:rPr lang="en-US" dirty="0" err="1"/>
+              <a:t>filtrelemeler</a:t>
+            </a:r>
+            <a:r>
+              <a:rPr lang="en-US" dirty="0"/>
+              <a:t> </a:t>
+            </a:r>
+            <a:r>
+              <a:rPr lang="en-US" dirty="0" err="1"/>
+              <a:t>yapmak</a:t>
+            </a:r>
+            <a:r>
+              <a:rPr lang="en-US" dirty="0"/>
+              <a:t> </a:t>
+            </a:r>
+            <a:r>
+              <a:rPr lang="en-US" dirty="0" err="1"/>
+              <a:t>için</a:t>
+            </a:r>
+            <a:r>
+              <a:rPr lang="en-US" dirty="0"/>
+              <a:t> </a:t>
+            </a:r>
+            <a:r>
+              <a:rPr lang="en-US" dirty="0" err="1"/>
+              <a:t>kullanılır</a:t>
+            </a:r>
+            <a:r>
+              <a:rPr lang="en-US" dirty="0"/>
+              <a:t>.</a:t>
+            </a:r>
+            <a:endParaRPr lang="tr-TR" dirty="0"/>
+          </a:p>
+          <a:p>
+            <a:endParaRPr lang="tr-TR" dirty="0"/>
+          </a:p>
+        </p:txBody>
+      </p:sp>
+      <p:pic>
+        <p:nvPicPr>
+          <p:cNvPr id="5" name="Picture 4">
+            <a:extLst>
+              <a:ext uri="{FF2B5EF4-FFF2-40B4-BE49-F238E27FC236}">
+                <a16:creationId xmlns:a16="http://schemas.microsoft.com/office/drawing/2014/main" id="{44F25152-0B1F-4891-BEF6-52F585B40EF5}"/>
+              </a:ext>
+            </a:extLst>
+          </p:cNvPr>
+          <p:cNvPicPr>
+            <a:picLocks noChangeAspect="1"/>
+          </p:cNvPicPr>
+          <p:nvPr/>
+        </p:nvPicPr>
+        <p:blipFill>
+          <a:blip r:embed="rId2"/>
+          <a:stretch>
+            <a:fillRect/>
+          </a:stretch>
+        </p:blipFill>
+        <p:spPr>
+          <a:xfrm>
+            <a:off x="5132778" y="2820619"/>
+            <a:ext cx="5880824" cy="3815501"/>
+          </a:xfrm>
+          <a:prstGeom prst="rect">
+            <a:avLst/>
+          </a:prstGeom>
+        </p:spPr>
+      </p:pic>
+    </p:spTree>
+    <p:extLst>
+      <p:ext uri="{BB962C8B-B14F-4D97-AF65-F5344CB8AC3E}">
+        <p14:creationId xmlns:p14="http://schemas.microsoft.com/office/powerpoint/2010/main" val="3179698331"/>
+      </p:ext>
+    </p:extLst>
+  </p:cSld>
+  <p:clrMapOvr>
+    <a:masterClrMapping/>
+  </p:clrMapOvr>
+</p:sld>
+</file>
+
 <file path=ppt/theme/theme1.xml><?xml version="1.0" encoding="utf-8"?>
 <a:theme xmlns:a="http://schemas.openxmlformats.org/drawingml/2006/main" name="Office Theme">
   <a:themeElements>
